--- a/ppt task 4.pptx
+++ b/ppt task 4.pptx
@@ -30346,29 +30346,7 @@
                 <a:latin typeface="Roboto Slab" panose="020B0604020202020204" charset="0"/>
                 <a:ea typeface="Roboto Slab" panose="020B0604020202020204" charset="0"/>
               </a:rPr>
-              <a:t> JWT yang mana JWT </a:t>
-            </a:r>
-            <a:r>
-              <a:rPr lang="en-ID" b="0" i="0" dirty="0" err="1">
-                <a:solidFill>
-                  <a:srgbClr val="333333"/>
-                </a:solidFill>
-                <a:effectLst/>
-                <a:latin typeface="Roboto Slab" panose="020B0604020202020204" charset="0"/>
-                <a:ea typeface="Roboto Slab" panose="020B0604020202020204" charset="0"/>
-              </a:rPr>
-              <a:t>ini</a:t>
-            </a:r>
-            <a:r>
-              <a:rPr lang="en-ID" b="0" i="0" dirty="0">
-                <a:solidFill>
-                  <a:srgbClr val="333333"/>
-                </a:solidFill>
-                <a:effectLst/>
-                <a:latin typeface="Roboto Slab" panose="020B0604020202020204" charset="0"/>
-                <a:ea typeface="Roboto Slab" panose="020B0604020202020204" charset="0"/>
-              </a:rPr>
-              <a:t> </a:t>
+              <a:t> JWT </a:t>
             </a:r>
             <a:r>
               <a:rPr lang="en-ID" b="0" i="0" dirty="0" err="1">
@@ -32009,8 +31987,8 @@
         </p:nvSpPr>
         <p:spPr>
           <a:xfrm rot="89">
-            <a:off x="5246914" y="2915858"/>
-            <a:ext cx="2753311" cy="584990"/>
+            <a:off x="4034972" y="2915843"/>
+            <a:ext cx="3965254" cy="584990"/>
           </a:xfrm>
           <a:custGeom>
             <a:avLst/>
@@ -32438,7 +32416,7 @@
           <a:bodyPr/>
           <a:lstStyle/>
           <a:p>
-            <a:endParaRPr lang="en-ID"/>
+            <a:endParaRPr lang="en-ID" dirty="0"/>
           </a:p>
         </p:txBody>
       </p:sp>
@@ -32491,7 +32469,7 @@
         </p:nvSpPr>
         <p:spPr>
           <a:xfrm>
-            <a:off x="1166592" y="1523999"/>
+            <a:off x="1076781" y="2242457"/>
             <a:ext cx="6990437" cy="2534274"/>
           </a:xfrm>
           <a:prstGeom prst="rect">
